--- a/Presentation/SpectrePlex Cycle Speed.pptx
+++ b/Presentation/SpectrePlex Cycle Speed.pptx
@@ -109,6 +109,11 @@
       </a:defRPr>
     </a:lvl9pPr>
   </p:defaultTextStyle>
+  <p:extLst>
+    <p:ext uri="{EFAFB233-063F-42B5-8137-9DF3F51BA10A}">
+      <p15:sldGuideLst xmlns:p15="http://schemas.microsoft.com/office/powerpoint/2012/main"/>
+    </p:ext>
+  </p:extLst>
 </p:presentation>
 </file>
 
@@ -259,7 +264,7 @@
           <a:p>
             <a:fld id="{AF6579ED-3104-4C1A-B5B6-82EDF8304978}" type="datetimeFigureOut">
               <a:rPr lang="en-US" smtClean="0"/>
-              <a:t>2/26/2024</a:t>
+              <a:t>2/27/2024</a:t>
             </a:fld>
             <a:endParaRPr lang="en-US"/>
           </a:p>
@@ -457,7 +462,7 @@
           <a:p>
             <a:fld id="{AF6579ED-3104-4C1A-B5B6-82EDF8304978}" type="datetimeFigureOut">
               <a:rPr lang="en-US" smtClean="0"/>
-              <a:t>2/26/2024</a:t>
+              <a:t>2/27/2024</a:t>
             </a:fld>
             <a:endParaRPr lang="en-US"/>
           </a:p>
@@ -665,7 +670,7 @@
           <a:p>
             <a:fld id="{AF6579ED-3104-4C1A-B5B6-82EDF8304978}" type="datetimeFigureOut">
               <a:rPr lang="en-US" smtClean="0"/>
-              <a:t>2/26/2024</a:t>
+              <a:t>2/27/2024</a:t>
             </a:fld>
             <a:endParaRPr lang="en-US"/>
           </a:p>
@@ -863,7 +868,7 @@
           <a:p>
             <a:fld id="{AF6579ED-3104-4C1A-B5B6-82EDF8304978}" type="datetimeFigureOut">
               <a:rPr lang="en-US" smtClean="0"/>
-              <a:t>2/26/2024</a:t>
+              <a:t>2/27/2024</a:t>
             </a:fld>
             <a:endParaRPr lang="en-US"/>
           </a:p>
@@ -1138,7 +1143,7 @@
           <a:p>
             <a:fld id="{AF6579ED-3104-4C1A-B5B6-82EDF8304978}" type="datetimeFigureOut">
               <a:rPr lang="en-US" smtClean="0"/>
-              <a:t>2/26/2024</a:t>
+              <a:t>2/27/2024</a:t>
             </a:fld>
             <a:endParaRPr lang="en-US"/>
           </a:p>
@@ -1403,7 +1408,7 @@
           <a:p>
             <a:fld id="{AF6579ED-3104-4C1A-B5B6-82EDF8304978}" type="datetimeFigureOut">
               <a:rPr lang="en-US" smtClean="0"/>
-              <a:t>2/26/2024</a:t>
+              <a:t>2/27/2024</a:t>
             </a:fld>
             <a:endParaRPr lang="en-US"/>
           </a:p>
@@ -1815,7 +1820,7 @@
           <a:p>
             <a:fld id="{AF6579ED-3104-4C1A-B5B6-82EDF8304978}" type="datetimeFigureOut">
               <a:rPr lang="en-US" smtClean="0"/>
-              <a:t>2/26/2024</a:t>
+              <a:t>2/27/2024</a:t>
             </a:fld>
             <a:endParaRPr lang="en-US"/>
           </a:p>
@@ -1956,7 +1961,7 @@
           <a:p>
             <a:fld id="{AF6579ED-3104-4C1A-B5B6-82EDF8304978}" type="datetimeFigureOut">
               <a:rPr lang="en-US" smtClean="0"/>
-              <a:t>2/26/2024</a:t>
+              <a:t>2/27/2024</a:t>
             </a:fld>
             <a:endParaRPr lang="en-US"/>
           </a:p>
@@ -2069,7 +2074,7 @@
           <a:p>
             <a:fld id="{AF6579ED-3104-4C1A-B5B6-82EDF8304978}" type="datetimeFigureOut">
               <a:rPr lang="en-US" smtClean="0"/>
-              <a:t>2/26/2024</a:t>
+              <a:t>2/27/2024</a:t>
             </a:fld>
             <a:endParaRPr lang="en-US"/>
           </a:p>
@@ -2380,7 +2385,7 @@
           <a:p>
             <a:fld id="{AF6579ED-3104-4C1A-B5B6-82EDF8304978}" type="datetimeFigureOut">
               <a:rPr lang="en-US" smtClean="0"/>
-              <a:t>2/26/2024</a:t>
+              <a:t>2/27/2024</a:t>
             </a:fld>
             <a:endParaRPr lang="en-US"/>
           </a:p>
@@ -2668,7 +2673,7 @@
           <a:p>
             <a:fld id="{AF6579ED-3104-4C1A-B5B6-82EDF8304978}" type="datetimeFigureOut">
               <a:rPr lang="en-US" smtClean="0"/>
-              <a:t>2/26/2024</a:t>
+              <a:t>2/27/2024</a:t>
             </a:fld>
             <a:endParaRPr lang="en-US"/>
           </a:p>
@@ -2909,7 +2914,7 @@
           <a:p>
             <a:fld id="{AF6579ED-3104-4C1A-B5B6-82EDF8304978}" type="datetimeFigureOut">
               <a:rPr lang="en-US" smtClean="0"/>
-              <a:t>2/26/2024</a:t>
+              <a:t>2/27/2024</a:t>
             </a:fld>
             <a:endParaRPr lang="en-US"/>
           </a:p>
@@ -4338,7 +4343,7 @@
               <a:buAutoNum type="arabicPeriod"/>
             </a:pPr>
             <a:r>
-              <a:rPr lang="en-US" sz="1800" b="1" dirty="0"/>
+              <a:rPr lang="en-US" sz="1600" b="1" dirty="0"/>
               <a:t>Bleach time will go down with heater on. It is untested, but it’s a pure chemical reaction. Going from 16C to 36C should increased bleach speed by 4x. 1 minute incubation time should be the projected bleach time with heater on</a:t>
             </a:r>
           </a:p>
@@ -4348,11 +4353,11 @@
               <a:buAutoNum type="arabicPeriod"/>
             </a:pPr>
             <a:r>
-              <a:rPr lang="en-US" sz="1800" dirty="0" err="1"/>
+              <a:rPr lang="en-US" sz="1600" dirty="0" err="1"/>
               <a:t>Sorger</a:t>
             </a:r>
             <a:r>
-              <a:rPr lang="en-US" sz="1800" dirty="0"/>
+              <a:rPr lang="en-US" sz="1600" dirty="0"/>
               <a:t> lab only does rolling ball background. Maybe it is ok to do that approach? That eliminates 4 minutes. Another option is to find the in focus images of the stained channel while bleaching is going on and only acquire the bleached image in that projected in focus position</a:t>
             </a:r>
           </a:p>
@@ -4362,7 +4367,7 @@
               <a:buAutoNum type="arabicPeriod"/>
             </a:pPr>
             <a:r>
-              <a:rPr lang="en-US" sz="1800" b="1" dirty="0"/>
+              <a:rPr lang="en-US" sz="1600" b="1" dirty="0"/>
               <a:t>Up flow rate to max value of 1000uL/min. This would save around 1.5 minutes</a:t>
             </a:r>
           </a:p>
@@ -4372,7 +4377,7 @@
               <a:buAutoNum type="arabicPeriod"/>
             </a:pPr>
             <a:r>
-              <a:rPr lang="en-US" sz="1800" b="1" dirty="0"/>
+              <a:rPr lang="en-US" sz="1600" b="1" dirty="0"/>
               <a:t>Test flat field of objective and increase to limit of when its focal plane bend is about 2um. Unknown how much frame size could be increased.</a:t>
             </a:r>
           </a:p>
@@ -4382,7 +4387,7 @@
               <a:buAutoNum type="arabicPeriod"/>
             </a:pPr>
             <a:r>
-              <a:rPr lang="en-US" sz="1800" dirty="0"/>
+              <a:rPr lang="en-US" sz="1600" dirty="0"/>
               <a:t>Swap to TTL triggered system. Takes lots of optimizing, but imaging can potentially be reduced by around 40-50 seconds for a 4 color, 5 stack, 16 tiles acquisition.</a:t>
             </a:r>
           </a:p>
@@ -4392,17 +4397,32 @@
               <a:buAutoNum type="arabicPeriod"/>
             </a:pPr>
             <a:r>
-              <a:rPr lang="en-US" sz="1800" b="1" dirty="0"/>
+              <a:rPr lang="en-US" sz="1600" b="1" dirty="0"/>
               <a:t>Could store </a:t>
             </a:r>
             <a:r>
-              <a:rPr lang="en-US" sz="1800" b="1" dirty="0" err="1"/>
+              <a:rPr lang="en-US" sz="1600" b="1" dirty="0" err="1"/>
               <a:t>numpy</a:t>
             </a:r>
             <a:r>
-              <a:rPr lang="en-US" sz="1800" b="1" dirty="0"/>
+              <a:rPr lang="en-US" sz="1600" b="1" dirty="0"/>
               <a:t> arrays in 1D format and convert to 2D while staining. This would save 27 seconds for a 4 color, 5 stack, 16 tiles acquisition.</a:t>
             </a:r>
+          </a:p>
+          <a:p>
+            <a:pPr marL="342900" indent="-342900">
+              <a:buFont typeface="+mj-lt"/>
+              <a:buAutoNum type="arabicPeriod"/>
+            </a:pPr>
+            <a:r>
+              <a:rPr lang="en-US" sz="1600" b="1" dirty="0"/>
+              <a:t>Initial tile bounds may not be optimal. Since I know where tissue is and the size of each tile, I could auto recalculate the surface bounds in such a way to reduced the tile count to its absolute minimum for the </a:t>
+            </a:r>
+            <a:r>
+              <a:rPr lang="en-US" sz="1600" b="1"/>
+              <a:t>desired tissue. </a:t>
+            </a:r>
+            <a:endParaRPr lang="en-US" sz="1600" b="1" dirty="0"/>
           </a:p>
           <a:p>
             <a:pPr marL="0" indent="0">
